--- a/000_Lecture_Project/week01/01_Lecture/01_Intro.pptx
+++ b/000_Lecture_Project/week01/01_Lecture/01_Intro.pptx
@@ -295,7 +295,7 @@
             <a:pPr algn="r">
               <a:buNone/>
             </a:pPr>
-            <a:fld id="{DA25006D-604D-4269-A4AD-15B30B4624DC}" type="slidenum">
+            <a:fld id="{82E76EB8-1627-4077-B934-EE213275CA92}" type="slidenum">
               <a:rPr b="0" lang="en-US" sz="1400" spc="-1" strike="noStrike">
                 <a:latin typeface="Times New Roman"/>
               </a:rPr>
@@ -343,7 +343,7 @@
         <p:spPr>
           <a:xfrm>
             <a:off x="1143000" y="685800"/>
-            <a:ext cx="4550400" cy="3407400"/>
+            <a:ext cx="4550040" cy="3407040"/>
           </a:xfrm>
           <a:prstGeom prst="rect">
             <a:avLst/>
@@ -366,7 +366,7 @@
         <p:spPr>
           <a:xfrm>
             <a:off x="685800" y="4343400"/>
-            <a:ext cx="5464440" cy="4092840"/>
+            <a:ext cx="5464080" cy="4092480"/>
           </a:xfrm>
           <a:prstGeom prst="rect">
             <a:avLst/>
@@ -400,7 +400,7 @@
         <p:spPr>
           <a:xfrm>
             <a:off x="3884760" y="8685360"/>
-            <a:ext cx="2949840" cy="435240"/>
+            <a:ext cx="2949480" cy="434880"/>
           </a:xfrm>
           <a:prstGeom prst="rect">
             <a:avLst/>
@@ -436,7 +436,7 @@
               </a:lnSpc>
               <a:buNone/>
             </a:pPr>
-            <a:fld id="{E18FEEAA-3322-4DF9-A7A6-FDEC7BAB4922}" type="slidenum">
+            <a:fld id="{DAD66B81-7930-48E0-A7D5-6075E8CE7E16}" type="slidenum">
               <a:rPr b="0" lang="en-US" sz="1200" spc="-1" strike="noStrike">
                 <a:solidFill>
                   <a:srgbClr val="000000"/>
@@ -508,7 +508,7 @@
         <p:txBody>
           <a:bodyPr/>
           <a:p>
-            <a:fld id="{CE1D5DBA-DBB3-4881-A8CD-66A49C1A8A92}" type="slidenum">
+            <a:fld id="{F2D792B1-5093-4831-B68B-EB6F94511C3E}" type="slidenum">
               <a:t>&lt;#&gt;</a:t>
             </a:fld>
           </a:p>
@@ -696,7 +696,7 @@
         <p:txBody>
           <a:bodyPr/>
           <a:p>
-            <a:fld id="{88632800-2198-4A4F-A56B-8B0728C43306}" type="slidenum">
+            <a:fld id="{31B74408-AFA5-414F-AA93-8D32A379D4BB}" type="slidenum">
               <a:t>&lt;#&gt;</a:t>
             </a:fld>
           </a:p>
@@ -952,7 +952,7 @@
         <p:txBody>
           <a:bodyPr/>
           <a:p>
-            <a:fld id="{674705E8-D3F8-43FF-8E95-414F7936C5CB}" type="slidenum">
+            <a:fld id="{B80ED904-94D0-4880-8D73-5C3D3F460154}" type="slidenum">
               <a:t>&lt;#&gt;</a:t>
             </a:fld>
           </a:p>
@@ -1276,7 +1276,7 @@
         <p:txBody>
           <a:bodyPr/>
           <a:p>
-            <a:fld id="{A9F3FB4D-ECFB-4821-A7F6-A8A9294A119D}" type="slidenum">
+            <a:fld id="{68126558-982F-4B9B-86FB-A1BA29AC7A45}" type="slidenum">
               <a:t>&lt;#&gt;</a:t>
             </a:fld>
           </a:p>
@@ -1359,7 +1359,7 @@
         <p:txBody>
           <a:bodyPr/>
           <a:p>
-            <a:fld id="{0BBDE8EA-D2B9-4D1A-96F9-9E437D187259}" type="slidenum">
+            <a:fld id="{EB92BF59-CBAF-4EE7-A68E-29E421FF36F9}" type="slidenum">
               <a:t>&lt;#&gt;</a:t>
             </a:fld>
           </a:p>
@@ -1516,7 +1516,7 @@
         <p:txBody>
           <a:bodyPr/>
           <a:p>
-            <a:fld id="{30CBEF93-6BAE-4DDD-B7F6-2F498D202DB4}" type="slidenum">
+            <a:fld id="{CFF430B0-73CA-4C08-83F1-F853F304DDAC}" type="slidenum">
               <a:t>&lt;#&gt;</a:t>
             </a:fld>
           </a:p>
@@ -1670,7 +1670,7 @@
         <p:txBody>
           <a:bodyPr/>
           <a:p>
-            <a:fld id="{C4B4B6C1-3F04-42AA-BECF-BFE44C3592CB}" type="slidenum">
+            <a:fld id="{88A37954-F79C-4D2A-8AA1-0CFB381903BB}" type="slidenum">
               <a:t>&lt;#&gt;</a:t>
             </a:fld>
           </a:p>
@@ -1858,7 +1858,7 @@
         <p:txBody>
           <a:bodyPr/>
           <a:p>
-            <a:fld id="{ACC46F66-E81A-4093-BE8E-542545B1995D}" type="slidenum">
+            <a:fld id="{7AEBC19E-2A1C-42FC-947C-DEDC21AC514D}" type="slidenum">
               <a:t>&lt;#&gt;</a:t>
             </a:fld>
           </a:p>
@@ -1978,7 +1978,7 @@
         <p:txBody>
           <a:bodyPr/>
           <a:p>
-            <a:fld id="{3B33AAB5-1465-4A93-B78A-87633D4722C7}" type="slidenum">
+            <a:fld id="{B158F074-F44B-4FD7-A8E9-F0CF5C30EB23}" type="slidenum">
               <a:t>&lt;#&gt;</a:t>
             </a:fld>
           </a:p>
@@ -2098,7 +2098,7 @@
         <p:txBody>
           <a:bodyPr/>
           <a:p>
-            <a:fld id="{4C2BF37F-2B38-41B8-BEBA-DAF525272695}" type="slidenum">
+            <a:fld id="{FAD5D068-67B3-4C66-B4F1-7C137EE4A7BC}" type="slidenum">
               <a:t>&lt;#&gt;</a:t>
             </a:fld>
           </a:p>
@@ -2320,7 +2320,7 @@
         <p:txBody>
           <a:bodyPr/>
           <a:p>
-            <a:fld id="{CE261323-59DD-4F96-AE97-0637C901FE3A}" type="slidenum">
+            <a:fld id="{DD0FF515-F021-47B6-B617-DD482A95DE85}" type="slidenum">
               <a:t>&lt;#&gt;</a:t>
             </a:fld>
           </a:p>
@@ -2477,7 +2477,7 @@
         <p:txBody>
           <a:bodyPr/>
           <a:p>
-            <a:fld id="{806B1B5E-591D-4034-953C-126E1957F911}" type="slidenum">
+            <a:fld id="{D31AAF25-DB0D-438B-AA6F-2EDFC29E6EBD}" type="slidenum">
               <a:t>&lt;#&gt;</a:t>
             </a:fld>
           </a:p>
@@ -2699,7 +2699,7 @@
         <p:txBody>
           <a:bodyPr/>
           <a:p>
-            <a:fld id="{CDBB7824-6761-4DBD-8270-0F0A97D4C174}" type="slidenum">
+            <a:fld id="{3D195A9C-3D33-489D-B491-89372EE7EA4E}" type="slidenum">
               <a:t>&lt;#&gt;</a:t>
             </a:fld>
           </a:p>
@@ -2921,7 +2921,7 @@
         <p:txBody>
           <a:bodyPr/>
           <a:p>
-            <a:fld id="{3CADCF8E-D79E-431A-ADFC-8F6F3406FF15}" type="slidenum">
+            <a:fld id="{E5DD8E27-7127-4BCE-B861-322C4DFCEA92}" type="slidenum">
               <a:t>&lt;#&gt;</a:t>
             </a:fld>
           </a:p>
@@ -3109,7 +3109,7 @@
         <p:txBody>
           <a:bodyPr/>
           <a:p>
-            <a:fld id="{9A4C3D6A-01E3-4C3F-8498-99A8D1B547D0}" type="slidenum">
+            <a:fld id="{F84083AC-E5F2-452D-975B-304DD382BC97}" type="slidenum">
               <a:t>&lt;#&gt;</a:t>
             </a:fld>
           </a:p>
@@ -3365,7 +3365,7 @@
         <p:txBody>
           <a:bodyPr/>
           <a:p>
-            <a:fld id="{C4B5E1F9-346F-4CA8-98B6-56BE6DEC9C80}" type="slidenum">
+            <a:fld id="{BD58A37A-569A-4001-B4EA-CFD2234FFDBF}" type="slidenum">
               <a:t>&lt;#&gt;</a:t>
             </a:fld>
           </a:p>
@@ -3689,7 +3689,7 @@
         <p:txBody>
           <a:bodyPr/>
           <a:p>
-            <a:fld id="{5118E9A8-7202-46B3-AAF5-542A6BE5F540}" type="slidenum">
+            <a:fld id="{60E8C94E-485D-463F-A962-59690B44AAAA}" type="slidenum">
               <a:t>&lt;#&gt;</a:t>
             </a:fld>
           </a:p>
@@ -3843,7 +3843,7 @@
         <p:txBody>
           <a:bodyPr/>
           <a:p>
-            <a:fld id="{C54BFB2F-A4D6-47FF-A32D-5C76F06F4628}" type="slidenum">
+            <a:fld id="{892E4301-BF3E-429C-BEC8-D133EF9B5138}" type="slidenum">
               <a:t>&lt;#&gt;</a:t>
             </a:fld>
           </a:p>
@@ -4031,7 +4031,7 @@
         <p:txBody>
           <a:bodyPr/>
           <a:p>
-            <a:fld id="{BEB5A271-58D8-48EF-8FF6-8F1800F1A3FD}" type="slidenum">
+            <a:fld id="{E6562C2B-DAB1-41FA-BCC3-08F0E141E3D0}" type="slidenum">
               <a:t>&lt;#&gt;</a:t>
             </a:fld>
           </a:p>
@@ -4151,7 +4151,7 @@
         <p:txBody>
           <a:bodyPr/>
           <a:p>
-            <a:fld id="{0D673D76-B926-424A-A641-659E7897624D}" type="slidenum">
+            <a:fld id="{BD19AD5B-47C9-4A5C-A3D5-8184CC7DBA9D}" type="slidenum">
               <a:t>&lt;#&gt;</a:t>
             </a:fld>
           </a:p>
@@ -4271,7 +4271,7 @@
         <p:txBody>
           <a:bodyPr/>
           <a:p>
-            <a:fld id="{03E84FB9-BE0C-44E6-91B6-BB390B06C464}" type="slidenum">
+            <a:fld id="{2281130D-A1BB-479E-A9E6-8E0DAF78BF6F}" type="slidenum">
               <a:t>&lt;#&gt;</a:t>
             </a:fld>
           </a:p>
@@ -4493,7 +4493,7 @@
         <p:txBody>
           <a:bodyPr/>
           <a:p>
-            <a:fld id="{70A6D313-6845-47C8-A6F9-BE9C74D2BC4E}" type="slidenum">
+            <a:fld id="{7BE89ED3-AA12-4E4A-BB55-C80918AA7DAB}" type="slidenum">
               <a:t>&lt;#&gt;</a:t>
             </a:fld>
           </a:p>
@@ -4715,7 +4715,7 @@
         <p:txBody>
           <a:bodyPr/>
           <a:p>
-            <a:fld id="{B7D3558D-0D49-4E4A-9C52-A37F281D70C7}" type="slidenum">
+            <a:fld id="{CCF1DEE6-340F-4671-9D93-5D46A2EC1A64}" type="slidenum">
               <a:t>&lt;#&gt;</a:t>
             </a:fld>
           </a:p>
@@ -4937,7 +4937,7 @@
         <p:txBody>
           <a:bodyPr/>
           <a:p>
-            <a:fld id="{D620B3CC-2E43-4128-A2F3-818535143A0C}" type="slidenum">
+            <a:fld id="{3075B94C-4E06-427F-8B53-45C4DEB44489}" type="slidenum">
               <a:t>&lt;#&gt;</a:t>
             </a:fld>
           </a:p>
@@ -5006,7 +5006,7 @@
         <p:spPr>
           <a:xfrm>
             <a:off x="3124080" y="6356520"/>
-            <a:ext cx="2873520" cy="343080"/>
+            <a:ext cx="2873160" cy="342720"/>
           </a:xfrm>
           <a:prstGeom prst="rect">
             <a:avLst/>
@@ -5050,7 +5050,7 @@
                 <a:latin typeface="Times New Roman"/>
                 <a:ea typeface="DejaVu Sans"/>
               </a:rPr>
-              <a:t> </a:t>
+              <a:t>&lt;footer&gt;</a:t>
             </a:r>
             <a:endParaRPr b="0" lang="en-US" sz="1400" spc="-1" strike="noStrike">
               <a:latin typeface="Times New Roman"/>
@@ -5071,7 +5071,7 @@
         <p:spPr>
           <a:xfrm>
             <a:off x="6553080" y="6356520"/>
-            <a:ext cx="2111760" cy="343080"/>
+            <a:ext cx="2111400" cy="342720"/>
           </a:xfrm>
           <a:prstGeom prst="rect">
             <a:avLst/>
@@ -5107,7 +5107,7 @@
               </a:lnSpc>
               <a:buNone/>
             </a:pPr>
-            <a:fld id="{F7273CD9-29BB-4E7F-A942-E0F566A1DB6B}" type="slidenum">
+            <a:fld id="{6BF9734C-FB06-4FA3-8D53-284A9C4CDB27}" type="slidenum">
               <a:rPr b="0" lang="en-US" sz="1200" spc="-1" strike="noStrike">
                 <a:solidFill>
                   <a:srgbClr val="8b8b8b"/>
@@ -5115,7 +5115,7 @@
                 <a:latin typeface="Calibri"/>
                 <a:ea typeface="DejaVu Sans"/>
               </a:rPr>
-              <a:t>2</a:t>
+              <a:t>&lt;number&gt;</a:t>
             </a:fld>
             <a:endParaRPr b="0" lang="en-US" sz="1200" spc="-1" strike="noStrike">
               <a:latin typeface="Times New Roman"/>
@@ -5136,7 +5136,7 @@
         <p:spPr>
           <a:xfrm>
             <a:off x="457200" y="6356520"/>
-            <a:ext cx="2111760" cy="343080"/>
+            <a:ext cx="2111400" cy="342720"/>
           </a:xfrm>
           <a:prstGeom prst="rect">
             <a:avLst/>
@@ -5162,7 +5162,7 @@
               <a:rPr b="0" lang="en-US" sz="1400" spc="-1" strike="noStrike">
                 <a:latin typeface="Times New Roman"/>
               </a:rPr>
-              <a:t>01/18/2024</a:t>
+              <a:t>&lt;date/time&gt;</a:t>
             </a:r>
             <a:endParaRPr b="0" lang="en-US" sz="1400" spc="-1" strike="noStrike">
               <a:latin typeface="Times New Roman"/>
@@ -5453,7 +5453,7 @@
         <p:spPr>
           <a:xfrm>
             <a:off x="3124080" y="6356520"/>
-            <a:ext cx="2873520" cy="343080"/>
+            <a:ext cx="2873160" cy="342720"/>
           </a:xfrm>
           <a:prstGeom prst="rect">
             <a:avLst/>
@@ -5518,7 +5518,7 @@
         <p:spPr>
           <a:xfrm>
             <a:off x="6553080" y="6356520"/>
-            <a:ext cx="2111760" cy="343080"/>
+            <a:ext cx="2111400" cy="342720"/>
           </a:xfrm>
           <a:prstGeom prst="rect">
             <a:avLst/>
@@ -5554,7 +5554,7 @@
               </a:lnSpc>
               <a:buNone/>
             </a:pPr>
-            <a:fld id="{12466B06-54A7-4487-BF76-8733FB86D66A}" type="slidenum">
+            <a:fld id="{E3AFF862-5053-4A1C-87BA-B1AC9D73B9EC}" type="slidenum">
               <a:rPr b="0" lang="en-US" sz="1200" spc="-1" strike="noStrike">
                 <a:solidFill>
                   <a:srgbClr val="8b8b8b"/>
@@ -5583,7 +5583,7 @@
         <p:spPr>
           <a:xfrm>
             <a:off x="457200" y="6356520"/>
-            <a:ext cx="2111760" cy="343080"/>
+            <a:ext cx="2111400" cy="342720"/>
           </a:xfrm>
           <a:prstGeom prst="rect">
             <a:avLst/>
@@ -5893,7 +5893,7 @@
         <p:spPr>
           <a:xfrm>
             <a:off x="0" y="2130480"/>
-            <a:ext cx="9141840" cy="1447920"/>
+            <a:ext cx="9141480" cy="1447560"/>
           </a:xfrm>
           <a:prstGeom prst="rect">
             <a:avLst/>
@@ -5945,7 +5945,7 @@
         <p:spPr>
           <a:xfrm>
             <a:off x="1371600" y="4563360"/>
-            <a:ext cx="6378840" cy="672840"/>
+            <a:ext cx="6378480" cy="672480"/>
           </a:xfrm>
           <a:prstGeom prst="rect">
             <a:avLst/>
@@ -6001,7 +6001,7 @@
         <p:spPr>
           <a:xfrm>
             <a:off x="4212000" y="3645000"/>
-            <a:ext cx="919800" cy="891000"/>
+            <a:ext cx="919440" cy="890640"/>
           </a:xfrm>
           <a:prstGeom prst="rect">
             <a:avLst/>
@@ -6025,7 +6025,7 @@
         <p:txBody>
           <a:bodyPr/>
           <a:p>
-            <a:fld id="{AB31E16E-BE59-4196-A438-305C3769C89A}" type="slidenum">
+            <a:fld id="{973551F5-2D49-4280-A398-97CFCDFD3721}" type="slidenum">
               <a:t>1</a:t>
             </a:fld>
           </a:p>
@@ -6045,9 +6045,9 @@
         <p:txBody>
           <a:bodyPr/>
           <a:p>
-            <a:fld id="{DD5D9F84-A1AF-44AC-B009-B051BB7E3F88}" type="datetime1">
+            <a:fld id="{89EA1EDE-70EE-448C-AEDC-F67B276F73E6}" type="datetime1">
               <a:rPr lang="en-US"/>
-              <a:t>01/18/2024</a:t>
+              <a:t>01/25/2024</a:t>
             </a:fld>
           </a:p>
         </p:txBody>
@@ -6095,7 +6095,7 @@
         <p:spPr>
           <a:xfrm>
             <a:off x="0" y="0"/>
-            <a:ext cx="9141120" cy="742680"/>
+            <a:ext cx="9140760" cy="742320"/>
           </a:xfrm>
           <a:prstGeom prst="rect">
             <a:avLst/>
@@ -6155,7 +6155,7 @@
         <p:spPr>
           <a:xfrm>
             <a:off x="228600" y="1302120"/>
-            <a:ext cx="8666640" cy="5098680"/>
+            <a:ext cx="8666280" cy="5098320"/>
           </a:xfrm>
           <a:prstGeom prst="rect">
             <a:avLst/>
@@ -6417,7 +6417,7 @@
                 <a:latin typeface="Calibri"/>
                 <a:ea typeface="DejaVu Sans"/>
               </a:rPr>
-              <a:t>1. For small Model (Hand-Writing Digit Model), we use Intel-based computer with NVIDIA GeForce RTX GPU with 5GB VRAM (Video RAM).</a:t>
+              <a:t>1. For small Model, we use Intel-based computer with NVIDIA GeForce RTX GPU with 5GB VRAM (Video RAM).</a:t>
             </a:r>
             <a:endParaRPr b="0" lang="en-US" sz="1300" spc="-1" strike="noStrike">
               <a:latin typeface="Arial"/>
@@ -6445,7 +6445,7 @@
                 <a:latin typeface="Calibri"/>
                 <a:ea typeface="DejaVu Sans"/>
               </a:rPr>
-              <a:t>2. For medium Model: such as, Potatoes Disease Model, ChatBot with Google BERT encoder/decoder and Google pre-trained LLM (Large Language Model) PaLM (Pathway Language Model), we use free Google Colab. Colab uses Tesla K80 GPU with 17 GB VRAM and Google TPU (Tensor Processing Unit). Both Tesla K80 and TPU are ASICs (Application-Specific Integrated Circuits).</a:t>
+              <a:t>2. For medium Model (Hand-Written Digit): such as, Potatoes Disease Model, ChatBot with Google BERT encoder/decoder and Google pre-trained LLM (Large Language Model) PaLM (Pathway Language Model), we use free Google Colab. Colab uses Tesla K80 GPU with 17 GB VRAM and Google TPU (Tensor Processing Unit). Both Tesla K80 and TPU are ASICs (Application-Specific Integrated Circuits).</a:t>
             </a:r>
             <a:endParaRPr b="0" lang="en-US" sz="1300" spc="-1" strike="noStrike">
               <a:latin typeface="Arial"/>
@@ -6490,7 +6490,7 @@
         <p:spPr>
           <a:xfrm>
             <a:off x="2880" y="759600"/>
-            <a:ext cx="9138240" cy="338040"/>
+            <a:ext cx="9137880" cy="337680"/>
           </a:xfrm>
           <a:prstGeom prst="rect">
             <a:avLst/>
@@ -6556,7 +6556,7 @@
         <p:spPr>
           <a:xfrm>
             <a:off x="6553080" y="6356520"/>
-            <a:ext cx="2111760" cy="343080"/>
+            <a:ext cx="2111400" cy="342720"/>
           </a:xfrm>
           <a:prstGeom prst="rect">
             <a:avLst/>
@@ -6592,7 +6592,7 @@
               </a:lnSpc>
               <a:buNone/>
             </a:pPr>
-            <a:fld id="{20EDA207-C253-4E3E-8CF5-2C38AE4A8D7D}" type="slidenum">
+            <a:fld id="{3AF08A48-AF31-47DD-92EC-3C72220384B5}" type="slidenum">
               <a:rPr b="0" lang="en-US" sz="1200" spc="-1" strike="noStrike">
                 <a:solidFill>
                   <a:srgbClr val="8b8b8b"/>
@@ -6622,9 +6622,9 @@
         <p:txBody>
           <a:bodyPr/>
           <a:p>
-            <a:fld id="{C7666EA8-7B82-4D1E-B98D-E3C712E3D6C1}" type="datetime1">
+            <a:fld id="{0218513E-7F28-43F1-BD23-1250B59AD947}" type="datetime1">
               <a:rPr lang="en-US"/>
-              <a:t>01/18/2024</a:t>
+              <a:t>01/25/2024</a:t>
             </a:fld>
           </a:p>
         </p:txBody>
@@ -6672,7 +6672,7 @@
         <p:spPr>
           <a:xfrm>
             <a:off x="0" y="2130480"/>
-            <a:ext cx="9122040" cy="1447920"/>
+            <a:ext cx="9121680" cy="1447560"/>
           </a:xfrm>
           <a:prstGeom prst="rect">
             <a:avLst/>
@@ -6733,7 +6733,7 @@
         <p:txBody>
           <a:bodyPr/>
           <a:p>
-            <a:fld id="{945CD8CF-C110-41A2-B53F-249A136BD6DC}" type="slidenum">
+            <a:fld id="{4DF5247D-C3A1-4F26-8A30-E782DED8AB6F}" type="slidenum">
               <a:t>3</a:t>
             </a:fld>
           </a:p>
@@ -6753,9 +6753,9 @@
         <p:txBody>
           <a:bodyPr/>
           <a:p>
-            <a:fld id="{77905E09-4956-45C6-B5B3-86A8AD85B037}" type="datetime1">
+            <a:fld id="{7C408CFF-679A-465A-89C3-1A97DD8AD5F4}" type="datetime1">
               <a:rPr lang="en-US"/>
-              <a:t>01/18/2024</a:t>
+              <a:t>01/25/2024</a:t>
             </a:fld>
           </a:p>
         </p:txBody>
